--- a/rachanaa .(ppt).pptx
+++ b/rachanaa .(ppt).pptx
@@ -140,7 +140,7 @@
 <file path=ppt/charts/chart1.xml><?xml version="1.0" encoding="utf-8"?>
 <c:chartSpace xmlns:c="http://schemas.openxmlformats.org/drawingml/2006/chart" xmlns:a="http://schemas.openxmlformats.org/drawingml/2006/main" xmlns:r="http://schemas.openxmlformats.org/officeDocument/2006/relationships" xmlns:c16r2="http://schemas.microsoft.com/office/drawing/2015/06/chart">
   <c:date1904 val="0"/>
-  <c:lang val="en-US"/>
+  <c:lang val="en-GB"/>
   <c:roundedCorners val="0"/>
   <mc:AlternateContent xmlns:mc="http://schemas.openxmlformats.org/markup-compatibility/2006">
     <mc:Choice xmlns:c14="http://schemas.microsoft.com/office/drawing/2007/8/2/chart" Requires="c14">
@@ -2816,7 +2816,7 @@
           <a:p>
             <a:fld id="{84B86612-B127-4CD0-BF15-66D49A7175F7}" type="datetimeFigureOut">
               <a:rPr lang="en-IN" smtClean="0"/>
-              <a:t>26-08-2024</a:t>
+              <a:t>04-09-2024</a:t>
             </a:fld>
             <a:endParaRPr lang="en-IN"/>
           </a:p>
@@ -3313,7 +3313,7 @@
           <a:p>
             <a:fld id="{1D8BD707-D9CF-40AE-B4C6-C98DA3205C09}" type="datetimeFigureOut">
               <a:rPr lang="en-US"/>
-              <a:t>8/26/2024</a:t>
+              <a:t>9/4/2024</a:t>
             </a:fld>
             <a:endParaRPr lang="en-US"/>
           </a:p>
@@ -3493,7 +3493,7 @@
           <a:p>
             <a:fld id="{1D8BD707-D9CF-40AE-B4C6-C98DA3205C09}" type="datetimeFigureOut">
               <a:rPr lang="en-US"/>
-              <a:t>8/26/2024</a:t>
+              <a:t>9/4/2024</a:t>
             </a:fld>
             <a:endParaRPr lang="en-US"/>
           </a:p>
@@ -3716,7 +3716,7 @@
           <a:p>
             <a:fld id="{1D8BD707-D9CF-40AE-B4C6-C98DA3205C09}" type="datetimeFigureOut">
               <a:rPr lang="en-US"/>
-              <a:t>8/26/2024</a:t>
+              <a:t>9/4/2024</a:t>
             </a:fld>
             <a:endParaRPr lang="en-US"/>
           </a:p>
@@ -3873,7 +3873,7 @@
           <a:p>
             <a:fld id="{1D8BD707-D9CF-40AE-B4C6-C98DA3205C09}" type="datetimeFigureOut">
               <a:rPr lang="en-US"/>
-              <a:t>8/26/2024</a:t>
+              <a:t>9/4/2024</a:t>
             </a:fld>
             <a:endParaRPr lang="en-US"/>
           </a:p>
@@ -4001,7 +4001,7 @@
           <a:p>
             <a:fld id="{1D8BD707-D9CF-40AE-B4C6-C98DA3205C09}" type="datetimeFigureOut">
               <a:rPr lang="en-US"/>
-              <a:t>8/26/2024</a:t>
+              <a:t>9/4/2024</a:t>
             </a:fld>
             <a:endParaRPr lang="en-US"/>
           </a:p>
@@ -4720,7 +4720,7 @@
           <a:p>
             <a:fld id="{1D8BD707-D9CF-40AE-B4C6-C98DA3205C09}" type="datetimeFigureOut">
               <a:rPr lang="en-US"/>
-              <a:t>8/26/2024</a:t>
+              <a:t>9/4/2024</a:t>
             </a:fld>
             <a:endParaRPr lang="en-US"/>
           </a:p>
@@ -5325,7 +5325,7 @@
         <p:spPr>
           <a:xfrm>
             <a:off x="2105024" y="3317345"/>
-            <a:ext cx="8345905" cy="1938992"/>
+            <a:ext cx="9046648" cy="1938992"/>
           </a:xfrm>
           <a:prstGeom prst="rect">
             <a:avLst/>
@@ -5346,7 +5346,7 @@
           <a:p>
             <a:r>
               <a:rPr lang="en-US" sz="2400" dirty="0"/>
-              <a:t>REGISTER NO: 312210044 (asunm1363312210044)</a:t>
+              <a:t>REGISTER NO: 312210044 (6C4BCF90EA81597A35442AA47D0F54E7)</a:t>
             </a:r>
           </a:p>
           <a:p>
